--- a/GStore User Revenue Prediction Presentation.pptx
+++ b/GStore User Revenue Prediction Presentation.pptx
@@ -121,31 +121,6 @@
     </a:lvl9pPr>
   </p:defaultTextStyle>
   <p:extLst>
-    <p:ext uri="{521415D9-36F7-43E2-AB2F-B90AF26B5E84}">
-      <p14:sectionLst xmlns:p14="http://schemas.microsoft.com/office/powerpoint/2010/main">
-        <p14:section name="Default Section" id="{9D24991E-632E-467B-8DB4-AB26B8CC9C83}">
-          <p14:sldIdLst>
-            <p14:sldId id="257"/>
-            <p14:sldId id="256"/>
-            <p14:sldId id="258"/>
-            <p14:sldId id="259"/>
-            <p14:sldId id="261"/>
-            <p14:sldId id="267"/>
-            <p14:sldId id="269"/>
-            <p14:sldId id="270"/>
-            <p14:sldId id="271"/>
-            <p14:sldId id="268"/>
-            <p14:sldId id="260"/>
-            <p14:sldId id="262"/>
-            <p14:sldId id="263"/>
-            <p14:sldId id="266"/>
-            <p14:sldId id="264"/>
-            <p14:sldId id="265"/>
-            <p14:sldId id="272"/>
-          </p14:sldIdLst>
-        </p14:section>
-      </p14:sectionLst>
-    </p:ext>
     <p:ext uri="{EFAFB233-063F-42B5-8137-9DF3F51BA10A}">
       <p15:sldGuideLst xmlns:p15="http://schemas.microsoft.com/office/powerpoint/2012/main"/>
     </p:ext>
@@ -321,7 +296,7 @@
           <a:p>
             <a:fld id="{3BD6865C-A9AC-44BA-9266-6D625095AD36}" type="datetimeFigureOut">
               <a:rPr lang="en-US" smtClean="0"/>
-              <a:t>11/2/2021</a:t>
+              <a:t>11/5/2021</a:t>
             </a:fld>
             <a:endParaRPr lang="en-US"/>
           </a:p>
@@ -549,7 +524,7 @@
           <a:p>
             <a:fld id="{3BD6865C-A9AC-44BA-9266-6D625095AD36}" type="datetimeFigureOut">
               <a:rPr lang="en-US" smtClean="0"/>
-              <a:t>11/2/2021</a:t>
+              <a:t>11/5/2021</a:t>
             </a:fld>
             <a:endParaRPr lang="en-US"/>
           </a:p>
@@ -729,7 +704,7 @@
           <a:p>
             <a:fld id="{3BD6865C-A9AC-44BA-9266-6D625095AD36}" type="datetimeFigureOut">
               <a:rPr lang="en-US" smtClean="0"/>
-              <a:t>11/2/2021</a:t>
+              <a:t>11/5/2021</a:t>
             </a:fld>
             <a:endParaRPr lang="en-US"/>
           </a:p>
@@ -899,7 +874,7 @@
           <a:p>
             <a:fld id="{3BD6865C-A9AC-44BA-9266-6D625095AD36}" type="datetimeFigureOut">
               <a:rPr lang="en-US" smtClean="0"/>
-              <a:t>11/2/2021</a:t>
+              <a:t>11/5/2021</a:t>
             </a:fld>
             <a:endParaRPr lang="en-US"/>
           </a:p>
@@ -1153,7 +1128,7 @@
           <a:p>
             <a:fld id="{3BD6865C-A9AC-44BA-9266-6D625095AD36}" type="datetimeFigureOut">
               <a:rPr lang="en-US" smtClean="0"/>
-              <a:t>11/2/2021</a:t>
+              <a:t>11/5/2021</a:t>
             </a:fld>
             <a:endParaRPr lang="en-US"/>
           </a:p>
@@ -1479,7 +1454,7 @@
           <a:p>
             <a:fld id="{3BD6865C-A9AC-44BA-9266-6D625095AD36}" type="datetimeFigureOut">
               <a:rPr lang="en-US" smtClean="0"/>
-              <a:t>11/2/2021</a:t>
+              <a:t>11/5/2021</a:t>
             </a:fld>
             <a:endParaRPr lang="en-US"/>
           </a:p>
@@ -1930,7 +1905,7 @@
           <a:p>
             <a:fld id="{3BD6865C-A9AC-44BA-9266-6D625095AD36}" type="datetimeFigureOut">
               <a:rPr lang="en-US" smtClean="0"/>
-              <a:t>11/2/2021</a:t>
+              <a:t>11/5/2021</a:t>
             </a:fld>
             <a:endParaRPr lang="en-US"/>
           </a:p>
@@ -2048,7 +2023,7 @@
           <a:p>
             <a:fld id="{3BD6865C-A9AC-44BA-9266-6D625095AD36}" type="datetimeFigureOut">
               <a:rPr lang="en-US" smtClean="0"/>
-              <a:t>11/2/2021</a:t>
+              <a:t>11/5/2021</a:t>
             </a:fld>
             <a:endParaRPr lang="en-US"/>
           </a:p>
@@ -2143,7 +2118,7 @@
           <a:p>
             <a:fld id="{3BD6865C-A9AC-44BA-9266-6D625095AD36}" type="datetimeFigureOut">
               <a:rPr lang="en-US" smtClean="0"/>
-              <a:t>11/2/2021</a:t>
+              <a:t>11/5/2021</a:t>
             </a:fld>
             <a:endParaRPr lang="en-US"/>
           </a:p>
@@ -2430,7 +2405,7 @@
           <a:p>
             <a:fld id="{3BD6865C-A9AC-44BA-9266-6D625095AD36}" type="datetimeFigureOut">
               <a:rPr lang="en-US" smtClean="0"/>
-              <a:t>11/2/2021</a:t>
+              <a:t>11/5/2021</a:t>
             </a:fld>
             <a:endParaRPr lang="en-US"/>
           </a:p>
@@ -2752,7 +2727,7 @@
           <a:p>
             <a:fld id="{3BD6865C-A9AC-44BA-9266-6D625095AD36}" type="datetimeFigureOut">
               <a:rPr lang="en-US" smtClean="0"/>
-              <a:t>11/2/2021</a:t>
+              <a:t>11/5/2021</a:t>
             </a:fld>
             <a:endParaRPr lang="en-US"/>
           </a:p>
@@ -3006,7 +2981,7 @@
           <a:p>
             <a:fld id="{3BD6865C-A9AC-44BA-9266-6D625095AD36}" type="datetimeFigureOut">
               <a:rPr lang="en-US" smtClean="0"/>
-              <a:t>11/2/2021</a:t>
+              <a:t>11/5/2021</a:t>
             </a:fld>
             <a:endParaRPr lang="en-US"/>
           </a:p>
@@ -5666,7 +5641,7 @@
             <a:pPr algn="r"/>
             <a:r>
               <a:rPr lang="en-US" sz="1600" i="1" dirty="0"/>
-              <a:t>Image  from Kaggle competition</a:t>
+              <a:t>Image  from Kaggle competition site</a:t>
             </a:r>
           </a:p>
         </p:txBody>
